--- a/TG1_final.pptx
+++ b/TG1_final.pptx
@@ -12,19 +12,24 @@
     <p:sldId id="260" r:id="rId6"/>
     <p:sldId id="271" r:id="rId7"/>
     <p:sldId id="272" r:id="rId8"/>
-    <p:sldId id="266" r:id="rId9"/>
-    <p:sldId id="262" r:id="rId10"/>
-    <p:sldId id="267" r:id="rId11"/>
-    <p:sldId id="268" r:id="rId12"/>
-    <p:sldId id="269" r:id="rId13"/>
-    <p:sldId id="270" r:id="rId14"/>
-    <p:sldId id="273" r:id="rId15"/>
-    <p:sldId id="274" r:id="rId16"/>
-    <p:sldId id="275" r:id="rId17"/>
-    <p:sldId id="263" r:id="rId18"/>
-    <p:sldId id="276" r:id="rId19"/>
-    <p:sldId id="264" r:id="rId20"/>
-    <p:sldId id="265" r:id="rId21"/>
+    <p:sldId id="277" r:id="rId9"/>
+    <p:sldId id="280" r:id="rId10"/>
+    <p:sldId id="278" r:id="rId11"/>
+    <p:sldId id="281" r:id="rId12"/>
+    <p:sldId id="279" r:id="rId13"/>
+    <p:sldId id="266" r:id="rId14"/>
+    <p:sldId id="262" r:id="rId15"/>
+    <p:sldId id="267" r:id="rId16"/>
+    <p:sldId id="268" r:id="rId17"/>
+    <p:sldId id="269" r:id="rId18"/>
+    <p:sldId id="270" r:id="rId19"/>
+    <p:sldId id="273" r:id="rId20"/>
+    <p:sldId id="274" r:id="rId21"/>
+    <p:sldId id="275" r:id="rId22"/>
+    <p:sldId id="263" r:id="rId23"/>
+    <p:sldId id="276" r:id="rId24"/>
+    <p:sldId id="264" r:id="rId25"/>
+    <p:sldId id="265" r:id="rId26"/>
   </p:sldIdLst>
   <p:sldSz cx="12192000" cy="6858000"/>
   <p:notesSz cx="6858000" cy="9144000"/>
@@ -134,9 +139,7 @@
 <file path=ppt/revisionInfo.xml><?xml version="1.0" encoding="utf-8"?>
 <p1510:revInfo xmlns:a="http://schemas.openxmlformats.org/drawingml/2006/main" xmlns:r="http://schemas.openxmlformats.org/officeDocument/2006/relationships" xmlns:p1510="http://schemas.microsoft.com/office/powerpoint/2015/10/main">
   <p1510:revLst>
-    <p1510:client id="{51F39274-B413-42F3-B8CA-9B27534AB445}" v="1" dt="2019-03-18T22:02:58.470"/>
-    <p1510:client id="{F3973241-F040-40AD-B70F-83AC09E5A130}" v="102" dt="2019-03-18T17:12:10.498"/>
-    <p1510:client id="{0FFE2C7A-D3E2-4644-ACB3-791C3591B206}" v="362" dt="2019-03-18T17:19:32.776"/>
+    <p1510:client id="{6EDF3BB6-7DF6-49BC-A250-CE72BFA747A0}" v="676" dt="2019-03-20T17:30:28.369"/>
   </p1510:revLst>
 </p1510:revInfo>
 </file>
@@ -472,7 +475,7 @@
           <a:p>
             <a:fld id="{40771E8B-6CA5-40B2-8038-0E112F3DAC1C}" type="datetimeFigureOut">
               <a:rPr lang="es-ES" smtClean="0"/>
-              <a:t>18/03/2019</a:t>
+              <a:t>20/03/2019</a:t>
             </a:fld>
             <a:endParaRPr lang="es-ES"/>
           </a:p>
@@ -796,7 +799,7 @@
           <a:p>
             <a:fld id="{40771E8B-6CA5-40B2-8038-0E112F3DAC1C}" type="datetimeFigureOut">
               <a:rPr lang="es-ES" smtClean="0"/>
-              <a:t>18/03/2019</a:t>
+              <a:t>20/03/2019</a:t>
             </a:fld>
             <a:endParaRPr lang="es-ES"/>
           </a:p>
@@ -1044,7 +1047,7 @@
           <a:p>
             <a:fld id="{40771E8B-6CA5-40B2-8038-0E112F3DAC1C}" type="datetimeFigureOut">
               <a:rPr lang="es-ES" smtClean="0"/>
-              <a:t>18/03/2019</a:t>
+              <a:t>20/03/2019</a:t>
             </a:fld>
             <a:endParaRPr lang="es-ES"/>
           </a:p>
@@ -1383,7 +1386,7 @@
           <a:p>
             <a:fld id="{40771E8B-6CA5-40B2-8038-0E112F3DAC1C}" type="datetimeFigureOut">
               <a:rPr lang="es-ES" smtClean="0"/>
-              <a:t>18/03/2019</a:t>
+              <a:t>20/03/2019</a:t>
             </a:fld>
             <a:endParaRPr lang="es-ES"/>
           </a:p>
@@ -1730,7 +1733,7 @@
           <a:p>
             <a:fld id="{40771E8B-6CA5-40B2-8038-0E112F3DAC1C}" type="datetimeFigureOut">
               <a:rPr lang="es-ES" smtClean="0"/>
-              <a:t>18/03/2019</a:t>
+              <a:t>20/03/2019</a:t>
             </a:fld>
             <a:endParaRPr lang="es-ES"/>
           </a:p>
@@ -2104,7 +2107,7 @@
           <a:p>
             <a:fld id="{40771E8B-6CA5-40B2-8038-0E112F3DAC1C}" type="datetimeFigureOut">
               <a:rPr lang="es-ES" smtClean="0"/>
-              <a:t>18/03/2019</a:t>
+              <a:t>20/03/2019</a:t>
             </a:fld>
             <a:endParaRPr lang="es-ES"/>
           </a:p>
@@ -2574,7 +2577,7 @@
           <a:p>
             <a:fld id="{40771E8B-6CA5-40B2-8038-0E112F3DAC1C}" type="datetimeFigureOut">
               <a:rPr lang="es-ES" smtClean="0"/>
-              <a:t>18/03/2019</a:t>
+              <a:t>20/03/2019</a:t>
             </a:fld>
             <a:endParaRPr lang="es-ES"/>
           </a:p>
@@ -2779,7 +2782,7 @@
           <a:p>
             <a:fld id="{40771E8B-6CA5-40B2-8038-0E112F3DAC1C}" type="datetimeFigureOut">
               <a:rPr lang="es-ES" smtClean="0"/>
-              <a:t>18/03/2019</a:t>
+              <a:t>20/03/2019</a:t>
             </a:fld>
             <a:endParaRPr lang="es-ES"/>
           </a:p>
@@ -2990,7 +2993,7 @@
           <a:p>
             <a:fld id="{40771E8B-6CA5-40B2-8038-0E112F3DAC1C}" type="datetimeFigureOut">
               <a:rPr lang="es-ES" smtClean="0"/>
-              <a:t>18/03/2019</a:t>
+              <a:t>20/03/2019</a:t>
             </a:fld>
             <a:endParaRPr lang="es-ES"/>
           </a:p>
@@ -3222,7 +3225,7 @@
           <a:p>
             <a:fld id="{40771E8B-6CA5-40B2-8038-0E112F3DAC1C}" type="datetimeFigureOut">
               <a:rPr lang="es-ES" smtClean="0"/>
-              <a:t>18/03/2019</a:t>
+              <a:t>20/03/2019</a:t>
             </a:fld>
             <a:endParaRPr lang="es-ES"/>
           </a:p>
@@ -3470,7 +3473,7 @@
           <a:p>
             <a:fld id="{40771E8B-6CA5-40B2-8038-0E112F3DAC1C}" type="datetimeFigureOut">
               <a:rPr lang="es-ES" smtClean="0"/>
-              <a:t>18/03/2019</a:t>
+              <a:t>20/03/2019</a:t>
             </a:fld>
             <a:endParaRPr lang="es-ES"/>
           </a:p>
@@ -3768,7 +3771,7 @@
           <a:p>
             <a:fld id="{40771E8B-6CA5-40B2-8038-0E112F3DAC1C}" type="datetimeFigureOut">
               <a:rPr lang="es-ES" smtClean="0"/>
-              <a:t>18/03/2019</a:t>
+              <a:t>20/03/2019</a:t>
             </a:fld>
             <a:endParaRPr lang="es-ES"/>
           </a:p>
@@ -4162,7 +4165,7 @@
           <a:p>
             <a:fld id="{40771E8B-6CA5-40B2-8038-0E112F3DAC1C}" type="datetimeFigureOut">
               <a:rPr lang="es-ES" smtClean="0"/>
-              <a:t>18/03/2019</a:t>
+              <a:t>20/03/2019</a:t>
             </a:fld>
             <a:endParaRPr lang="es-ES"/>
           </a:p>
@@ -4311,7 +4314,7 @@
           <a:p>
             <a:fld id="{40771E8B-6CA5-40B2-8038-0E112F3DAC1C}" type="datetimeFigureOut">
               <a:rPr lang="es-ES" smtClean="0"/>
-              <a:t>18/03/2019</a:t>
+              <a:t>20/03/2019</a:t>
             </a:fld>
             <a:endParaRPr lang="es-ES"/>
           </a:p>
@@ -4437,7 +4440,7 @@
           <a:p>
             <a:fld id="{40771E8B-6CA5-40B2-8038-0E112F3DAC1C}" type="datetimeFigureOut">
               <a:rPr lang="es-ES" smtClean="0"/>
-              <a:t>18/03/2019</a:t>
+              <a:t>20/03/2019</a:t>
             </a:fld>
             <a:endParaRPr lang="es-ES"/>
           </a:p>
@@ -4692,7 +4695,7 @@
           <a:p>
             <a:fld id="{40771E8B-6CA5-40B2-8038-0E112F3DAC1C}" type="datetimeFigureOut">
               <a:rPr lang="es-ES" smtClean="0"/>
-              <a:t>18/03/2019</a:t>
+              <a:t>20/03/2019</a:t>
             </a:fld>
             <a:endParaRPr lang="es-ES"/>
           </a:p>
@@ -5007,7 +5010,7 @@
           <a:p>
             <a:fld id="{40771E8B-6CA5-40B2-8038-0E112F3DAC1C}" type="datetimeFigureOut">
               <a:rPr lang="es-ES" smtClean="0"/>
-              <a:t>18/03/2019</a:t>
+              <a:t>20/03/2019</a:t>
             </a:fld>
             <a:endParaRPr lang="es-ES"/>
           </a:p>
@@ -5358,7 +5361,7 @@
           <a:p>
             <a:fld id="{40771E8B-6CA5-40B2-8038-0E112F3DAC1C}" type="datetimeFigureOut">
               <a:rPr lang="es-ES" smtClean="0"/>
-              <a:t>18/03/2019</a:t>
+              <a:t>20/03/2019</a:t>
             </a:fld>
             <a:endParaRPr lang="es-ES"/>
           </a:p>
@@ -6567,6 +6570,823 @@
           <p:cNvPr id="2" name="Título 1">
             <a:extLst>
               <a:ext uri="{FF2B5EF4-FFF2-40B4-BE49-F238E27FC236}">
+                <a16:creationId xmlns:a16="http://schemas.microsoft.com/office/drawing/2014/main" id="{DE90962D-1D00-4200-BC8D-D4B18DBACE8F}"/>
+              </a:ext>
+            </a:extLst>
+          </p:cNvPr>
+          <p:cNvSpPr>
+            <a:spLocks noGrp="1"/>
+          </p:cNvSpPr>
+          <p:nvPr>
+            <p:ph type="title"/>
+          </p:nvPr>
+        </p:nvSpPr>
+        <p:spPr/>
+        <p:txBody>
+          <a:bodyPr>
+            <a:normAutofit fontScale="90000"/>
+          </a:bodyPr>
+          <a:lstStyle/>
+          <a:p>
+            <a:br>
+              <a:rPr lang="es-ES" b="1" dirty="0"/>
+            </a:br>
+            <a:r>
+              <a:rPr lang="es-ES" b="1" dirty="0"/>
+              <a:t>4.1 Cursos no gratuitos sobre el tipo de tecnología en general </a:t>
+            </a:r>
+            <a:endParaRPr lang="es-ES"/>
+          </a:p>
+        </p:txBody>
+      </p:sp>
+      <p:sp>
+        <p:nvSpPr>
+          <p:cNvPr id="3" name="Marcador de contenido 2">
+            <a:extLst>
+              <a:ext uri="{FF2B5EF4-FFF2-40B4-BE49-F238E27FC236}">
+                <a16:creationId xmlns:a16="http://schemas.microsoft.com/office/drawing/2014/main" id="{0FCC7C76-913C-4A15-A468-F5CBB65041CA}"/>
+              </a:ext>
+            </a:extLst>
+          </p:cNvPr>
+          <p:cNvSpPr>
+            <a:spLocks noGrp="1"/>
+          </p:cNvSpPr>
+          <p:nvPr>
+            <p:ph idx="1"/>
+          </p:nvPr>
+        </p:nvSpPr>
+        <p:spPr/>
+        <p:txBody>
+          <a:bodyPr>
+            <a:normAutofit lnSpcReduction="10000"/>
+          </a:bodyPr>
+          <a:lstStyle/>
+          <a:p>
+            <a:endParaRPr lang="es-ES"/>
+          </a:p>
+          <a:p>
+            <a:r>
+              <a:rPr lang="es-ES" dirty="0"/>
+              <a:t>Consiste en un curso online en la cual se exponen una serie de métodos para aprender a crear </a:t>
+            </a:r>
+            <a:r>
+              <a:rPr lang="es-ES" dirty="0" err="1"/>
+              <a:t>chatbots</a:t>
+            </a:r>
+            <a:r>
+              <a:rPr lang="es-ES" dirty="0"/>
+              <a:t> sin necesidad de saber programación previamente. Precio 99.99 €</a:t>
+            </a:r>
+          </a:p>
+          <a:p>
+            <a:r>
+              <a:rPr lang="es-ES" dirty="0"/>
+              <a:t>Web: http://academiachatbot.com/ </a:t>
+            </a:r>
+          </a:p>
+          <a:p>
+            <a:r>
+              <a:rPr lang="es-ES" dirty="0"/>
+              <a:t>Exactamente igual que el anterior, con un precio de 157 €</a:t>
+            </a:r>
+          </a:p>
+          <a:p>
+            <a:r>
+              <a:rPr lang="es-ES" dirty="0"/>
+              <a:t>Web: https://botifica.teachable.com/p/chatfuel-como-pro</a:t>
+            </a:r>
+          </a:p>
+          <a:p>
+            <a:endParaRPr lang="es-ES" dirty="0"/>
+          </a:p>
+        </p:txBody>
+      </p:sp>
+    </p:spTree>
+    <p:extLst>
+      <p:ext uri="{BB962C8B-B14F-4D97-AF65-F5344CB8AC3E}">
+        <p14:creationId xmlns:p14="http://schemas.microsoft.com/office/powerpoint/2010/main" val="606588428"/>
+      </p:ext>
+    </p:extLst>
+  </p:cSld>
+  <p:clrMapOvr>
+    <a:masterClrMapping/>
+  </p:clrMapOvr>
+</p:sld>
+</file>
+
+<file path=ppt/slides/slide11.xml><?xml version="1.0" encoding="utf-8"?>
+<p:sld xmlns:a="http://schemas.openxmlformats.org/drawingml/2006/main" xmlns:r="http://schemas.openxmlformats.org/officeDocument/2006/relationships" xmlns:p="http://schemas.openxmlformats.org/presentationml/2006/main">
+  <p:cSld>
+    <p:bg>
+      <p:bgPr>
+        <a:solidFill>
+          <a:schemeClr val="bg1"/>
+        </a:solidFill>
+        <a:effectLst/>
+      </p:bgPr>
+    </p:bg>
+    <p:spTree>
+      <p:nvGrpSpPr>
+        <p:cNvPr id="1" name=""/>
+        <p:cNvGrpSpPr/>
+        <p:nvPr/>
+      </p:nvGrpSpPr>
+      <p:grpSpPr>
+        <a:xfrm>
+          <a:off x="0" y="0"/>
+          <a:ext cx="0" cy="0"/>
+          <a:chOff x="0" y="0"/>
+          <a:chExt cx="0" cy="0"/>
+        </a:xfrm>
+      </p:grpSpPr>
+      <p:sp useBgFill="1">
+        <p:nvSpPr>
+          <p:cNvPr id="6" name="Rectangle 8">
+            <a:extLst>
+              <a:ext uri="{FF2B5EF4-FFF2-40B4-BE49-F238E27FC236}">
+                <a16:creationId xmlns:a16="http://schemas.microsoft.com/office/drawing/2014/main" id="{D27F1DF9-E10B-4970-96A2-1D8EBA48F726}"/>
+              </a:ext>
+              <a:ext uri="{C183D7F6-B498-43B3-948B-1728B52AA6E4}">
+                <adec:decorative xmlns:adec="http://schemas.microsoft.com/office/drawing/2017/decorative" val="1"/>
+              </a:ext>
+            </a:extLst>
+          </p:cNvPr>
+          <p:cNvSpPr>
+            <a:spLocks noGrp="1" noRot="1" noChangeAspect="1" noMove="1" noResize="1" noEditPoints="1" noAdjustHandles="1" noChangeArrowheads="1" noChangeShapeType="1" noTextEdit="1"/>
+          </p:cNvSpPr>
+          <p:nvPr>
+            <p:extLst>
+              <p:ext uri="{386F3935-93C4-4BCD-93E2-E3B085C9AB24}">
+                <p16:designElem xmlns:p16="http://schemas.microsoft.com/office/powerpoint/2015/main" val="1"/>
+              </p:ext>
+            </p:extLst>
+          </p:nvPr>
+        </p:nvSpPr>
+        <p:spPr>
+          <a:xfrm>
+            <a:off x="0" y="0"/>
+            <a:ext cx="12192000" cy="6858000"/>
+          </a:xfrm>
+          <a:prstGeom prst="rect">
+            <a:avLst/>
+          </a:prstGeom>
+          <a:ln>
+            <a:noFill/>
+          </a:ln>
+        </p:spPr>
+        <p:style>
+          <a:lnRef idx="2">
+            <a:schemeClr val="accent1">
+              <a:shade val="50000"/>
+            </a:schemeClr>
+          </a:lnRef>
+          <a:fillRef idx="1">
+            <a:schemeClr val="accent1"/>
+          </a:fillRef>
+          <a:effectRef idx="0">
+            <a:schemeClr val="accent1"/>
+          </a:effectRef>
+          <a:fontRef idx="minor">
+            <a:schemeClr val="lt1"/>
+          </a:fontRef>
+        </p:style>
+        <p:txBody>
+          <a:bodyPr rtlCol="0" anchor="ctr"/>
+          <a:lstStyle/>
+          <a:p>
+            <a:pPr algn="ctr"/>
+            <a:endParaRPr lang="en-US"/>
+          </a:p>
+        </p:txBody>
+      </p:sp>
+      <p:sp>
+        <p:nvSpPr>
+          <p:cNvPr id="11" name="Rectangle 10">
+            <a:extLst>
+              <a:ext uri="{FF2B5EF4-FFF2-40B4-BE49-F238E27FC236}">
+                <a16:creationId xmlns:a16="http://schemas.microsoft.com/office/drawing/2014/main" id="{117DA863-3DD0-4429-9C9D-E627FBD112C9}"/>
+              </a:ext>
+              <a:ext uri="{C183D7F6-B498-43B3-948B-1728B52AA6E4}">
+                <adec:decorative xmlns:adec="http://schemas.microsoft.com/office/drawing/2017/decorative" val="1"/>
+              </a:ext>
+            </a:extLst>
+          </p:cNvPr>
+          <p:cNvSpPr>
+            <a:spLocks noGrp="1" noRot="1" noChangeAspect="1" noMove="1" noResize="1" noEditPoints="1" noAdjustHandles="1" noChangeArrowheads="1" noChangeShapeType="1" noTextEdit="1"/>
+          </p:cNvSpPr>
+          <p:nvPr>
+            <p:extLst>
+              <p:ext uri="{386F3935-93C4-4BCD-93E2-E3B085C9AB24}">
+                <p16:designElem xmlns:p16="http://schemas.microsoft.com/office/powerpoint/2015/main" val="1"/>
+              </p:ext>
+            </p:extLst>
+          </p:nvPr>
+        </p:nvSpPr>
+        <p:spPr>
+          <a:xfrm>
+            <a:off x="324611" y="350556"/>
+            <a:ext cx="11542779" cy="6156888"/>
+          </a:xfrm>
+          <a:prstGeom prst="rect">
+            <a:avLst/>
+          </a:prstGeom>
+          <a:solidFill>
+            <a:srgbClr val="FFFFFF"/>
+          </a:solidFill>
+          <a:ln w="25400" cap="flat">
+            <a:solidFill>
+              <a:schemeClr val="accent1"/>
+            </a:solidFill>
+            <a:miter lim="800000"/>
+          </a:ln>
+        </p:spPr>
+        <p:style>
+          <a:lnRef idx="1">
+            <a:schemeClr val="accent1"/>
+          </a:lnRef>
+          <a:fillRef idx="3">
+            <a:schemeClr val="accent1"/>
+          </a:fillRef>
+          <a:effectRef idx="2">
+            <a:schemeClr val="accent1"/>
+          </a:effectRef>
+          <a:fontRef idx="minor">
+            <a:schemeClr val="lt1"/>
+          </a:fontRef>
+        </p:style>
+      </p:sp>
+      <p:pic>
+        <p:nvPicPr>
+          <p:cNvPr id="4" name="Imagen 4" descr="Imagen que contiene captura de pantalla&#10;&#10;Descripción generada con confianza muy alta">
+            <a:extLst>
+              <a:ext uri="{FF2B5EF4-FFF2-40B4-BE49-F238E27FC236}">
+                <a16:creationId xmlns:a16="http://schemas.microsoft.com/office/drawing/2014/main" id="{5FA3D906-E314-4AD3-86AC-3DDF24F6B093}"/>
+              </a:ext>
+            </a:extLst>
+          </p:cNvPr>
+          <p:cNvPicPr>
+            <a:picLocks noChangeAspect="1"/>
+          </p:cNvPicPr>
+          <p:nvPr/>
+        </p:nvPicPr>
+        <p:blipFill>
+          <a:blip r:embed="rId2"/>
+          <a:stretch>
+            <a:fillRect/>
+          </a:stretch>
+        </p:blipFill>
+        <p:spPr>
+          <a:xfrm>
+            <a:off x="634457" y="1693029"/>
+            <a:ext cx="5300676" cy="3471942"/>
+          </a:xfrm>
+          <a:prstGeom prst="rect">
+            <a:avLst/>
+          </a:prstGeom>
+        </p:spPr>
+      </p:pic>
+      <p:pic>
+        <p:nvPicPr>
+          <p:cNvPr id="2" name="Imagen 2" descr="Imagen que contiene captura de pantalla&#10;&#10;Descripción generada con confianza muy alta">
+            <a:extLst>
+              <a:ext uri="{FF2B5EF4-FFF2-40B4-BE49-F238E27FC236}">
+                <a16:creationId xmlns:a16="http://schemas.microsoft.com/office/drawing/2014/main" id="{AF4E6AE8-B26F-4E98-834A-36A6D6140575}"/>
+              </a:ext>
+            </a:extLst>
+          </p:cNvPr>
+          <p:cNvPicPr>
+            <a:picLocks noChangeAspect="1"/>
+          </p:cNvPicPr>
+          <p:nvPr/>
+        </p:nvPicPr>
+        <p:blipFill>
+          <a:blip r:embed="rId3"/>
+          <a:stretch>
+            <a:fillRect/>
+          </a:stretch>
+        </p:blipFill>
+        <p:spPr>
+          <a:xfrm>
+            <a:off x="6256867" y="1958063"/>
+            <a:ext cx="5300676" cy="2941874"/>
+          </a:xfrm>
+          <a:prstGeom prst="rect">
+            <a:avLst/>
+          </a:prstGeom>
+        </p:spPr>
+      </p:pic>
+    </p:spTree>
+    <p:extLst>
+      <p:ext uri="{BB962C8B-B14F-4D97-AF65-F5344CB8AC3E}">
+        <p14:creationId xmlns:p14="http://schemas.microsoft.com/office/powerpoint/2010/main" val="1261951982"/>
+      </p:ext>
+    </p:extLst>
+  </p:cSld>
+  <p:clrMapOvr>
+    <a:masterClrMapping/>
+  </p:clrMapOvr>
+</p:sld>
+</file>
+
+<file path=ppt/slides/slide12.xml><?xml version="1.0" encoding="utf-8"?>
+<p:sld xmlns:a="http://schemas.openxmlformats.org/drawingml/2006/main" xmlns:r="http://schemas.openxmlformats.org/officeDocument/2006/relationships" xmlns:p="http://schemas.openxmlformats.org/presentationml/2006/main">
+  <p:cSld>
+    <p:spTree>
+      <p:nvGrpSpPr>
+        <p:cNvPr id="1" name=""/>
+        <p:cNvGrpSpPr/>
+        <p:nvPr/>
+      </p:nvGrpSpPr>
+      <p:grpSpPr>
+        <a:xfrm>
+          <a:off x="0" y="0"/>
+          <a:ext cx="0" cy="0"/>
+          <a:chOff x="0" y="0"/>
+          <a:chExt cx="0" cy="0"/>
+        </a:xfrm>
+      </p:grpSpPr>
+      <p:sp>
+        <p:nvSpPr>
+          <p:cNvPr id="2" name="Título 1">
+            <a:extLst>
+              <a:ext uri="{FF2B5EF4-FFF2-40B4-BE49-F238E27FC236}">
+                <a16:creationId xmlns:a16="http://schemas.microsoft.com/office/drawing/2014/main" id="{64634ED8-AE8B-420F-A5CE-1698045B1A68}"/>
+              </a:ext>
+            </a:extLst>
+          </p:cNvPr>
+          <p:cNvSpPr>
+            <a:spLocks noGrp="1"/>
+          </p:cNvSpPr>
+          <p:nvPr>
+            <p:ph type="title"/>
+          </p:nvPr>
+        </p:nvSpPr>
+        <p:spPr/>
+        <p:txBody>
+          <a:bodyPr>
+            <a:normAutofit fontScale="90000"/>
+          </a:bodyPr>
+          <a:lstStyle/>
+          <a:p>
+            <a:r>
+              <a:rPr lang="es-ES" b="1" dirty="0"/>
+              <a:t>4.2 Cursos no gratuitos sobre la tecnología específica </a:t>
+            </a:r>
+            <a:r>
+              <a:rPr lang="es-ES" b="1" dirty="0" err="1"/>
+              <a:t>Clustaar</a:t>
+            </a:r>
+            <a:r>
+              <a:rPr lang="es-ES" b="1" dirty="0"/>
+              <a:t> </a:t>
+            </a:r>
+            <a:endParaRPr lang="es-ES" dirty="0"/>
+          </a:p>
+        </p:txBody>
+      </p:sp>
+      <p:sp>
+        <p:nvSpPr>
+          <p:cNvPr id="3" name="Marcador de contenido 2">
+            <a:extLst>
+              <a:ext uri="{FF2B5EF4-FFF2-40B4-BE49-F238E27FC236}">
+                <a16:creationId xmlns:a16="http://schemas.microsoft.com/office/drawing/2014/main" id="{FB5914DA-E00A-4166-A5D7-0044605D631E}"/>
+              </a:ext>
+            </a:extLst>
+          </p:cNvPr>
+          <p:cNvSpPr>
+            <a:spLocks noGrp="1"/>
+          </p:cNvSpPr>
+          <p:nvPr>
+            <p:ph idx="1"/>
+          </p:nvPr>
+        </p:nvSpPr>
+        <p:spPr/>
+        <p:txBody>
+          <a:bodyPr>
+            <a:normAutofit fontScale="92500"/>
+          </a:bodyPr>
+          <a:lstStyle/>
+          <a:p>
+            <a:r>
+              <a:rPr lang="es-ES" dirty="0"/>
+              <a:t>Solamente encontramos la versión pro del software ya que al ser en su mayoría un software gratuito hasta cien usuarios existe mucha documentación gratuita en GitHub. </a:t>
+            </a:r>
+          </a:p>
+          <a:p>
+            <a:r>
+              <a:rPr lang="es-ES" dirty="0"/>
+              <a:t>Por 500€ al mes te permiten crear el software tu mismo y con una capacidad de 1000 interacciones cada 24 horas</a:t>
+            </a:r>
+          </a:p>
+          <a:p>
+            <a:r>
+              <a:rPr lang="es-ES" dirty="0"/>
+              <a:t>Por 1500 € al mes ofrecen a programadores que te ayudan a crear el </a:t>
+            </a:r>
+            <a:r>
+              <a:rPr lang="es-ES" dirty="0" err="1"/>
+              <a:t>ChatBot</a:t>
+            </a:r>
+            <a:r>
+              <a:rPr lang="es-ES" dirty="0"/>
+              <a:t>, aparte de un Manager dedicado a tu negocio y integraciones con apps </a:t>
+            </a:r>
+            <a:r>
+              <a:rPr lang="es-ES" dirty="0" err="1"/>
+              <a:t>moviles</a:t>
+            </a:r>
+            <a:r>
+              <a:rPr lang="es-ES" dirty="0"/>
+              <a:t>.</a:t>
+            </a:r>
+          </a:p>
+          <a:p>
+            <a:r>
+              <a:rPr lang="es-ES" dirty="0"/>
+              <a:t>Web: </a:t>
+            </a:r>
+            <a:r>
+              <a:rPr lang="es-ES" dirty="0">
+                <a:hlinkClick r:id="rId2"/>
+              </a:rPr>
+              <a:t>https://clustaar.com/pricing/</a:t>
+            </a:r>
+            <a:r>
+              <a:rPr lang="es-ES" dirty="0"/>
+              <a:t> </a:t>
+            </a:r>
+          </a:p>
+        </p:txBody>
+      </p:sp>
+    </p:spTree>
+    <p:extLst>
+      <p:ext uri="{BB962C8B-B14F-4D97-AF65-F5344CB8AC3E}">
+        <p14:creationId xmlns:p14="http://schemas.microsoft.com/office/powerpoint/2010/main" val="3538799305"/>
+      </p:ext>
+    </p:extLst>
+  </p:cSld>
+  <p:clrMapOvr>
+    <a:masterClrMapping/>
+  </p:clrMapOvr>
+</p:sld>
+</file>
+
+<file path=ppt/slides/slide13.xml><?xml version="1.0" encoding="utf-8"?>
+<p:sld xmlns:a="http://schemas.openxmlformats.org/drawingml/2006/main" xmlns:r="http://schemas.openxmlformats.org/officeDocument/2006/relationships" xmlns:p="http://schemas.openxmlformats.org/presentationml/2006/main">
+  <p:cSld>
+    <p:spTree>
+      <p:nvGrpSpPr>
+        <p:cNvPr id="1" name=""/>
+        <p:cNvGrpSpPr/>
+        <p:nvPr/>
+      </p:nvGrpSpPr>
+      <p:grpSpPr>
+        <a:xfrm>
+          <a:off x="0" y="0"/>
+          <a:ext cx="0" cy="0"/>
+          <a:chOff x="0" y="0"/>
+          <a:chExt cx="0" cy="0"/>
+        </a:xfrm>
+      </p:grpSpPr>
+      <p:sp>
+        <p:nvSpPr>
+          <p:cNvPr id="2" name="Título 1">
+            <a:extLst>
+              <a:ext uri="{FF2B5EF4-FFF2-40B4-BE49-F238E27FC236}">
+                <a16:creationId xmlns:a16="http://schemas.microsoft.com/office/drawing/2014/main" id="{A0AF217C-A2E6-4D60-99D4-4858EE3E6650}"/>
+              </a:ext>
+            </a:extLst>
+          </p:cNvPr>
+          <p:cNvSpPr>
+            <a:spLocks noGrp="1"/>
+          </p:cNvSpPr>
+          <p:nvPr>
+            <p:ph type="title"/>
+          </p:nvPr>
+        </p:nvSpPr>
+        <p:spPr>
+          <a:xfrm>
+            <a:off x="1295402" y="982132"/>
+            <a:ext cx="9946252" cy="1303867"/>
+          </a:xfrm>
+        </p:spPr>
+        <p:txBody>
+          <a:bodyPr>
+            <a:normAutofit fontScale="90000"/>
+          </a:bodyPr>
+          <a:lstStyle/>
+          <a:p>
+            <a:r>
+              <a:rPr lang="es-ES"/>
+              <a:t>4.3 Fuentes de información (cursos no gratuitos).</a:t>
+            </a:r>
+            <a:br>
+              <a:rPr lang="es-ES"/>
+            </a:br>
+            <a:r>
+              <a:rPr lang="es-ES" err="1"/>
+              <a:t>VisualSpirits</a:t>
+            </a:r>
+          </a:p>
+        </p:txBody>
+      </p:sp>
+      <p:sp>
+        <p:nvSpPr>
+          <p:cNvPr id="3" name="Marcador de contenido 2">
+            <a:extLst>
+              <a:ext uri="{FF2B5EF4-FFF2-40B4-BE49-F238E27FC236}">
+                <a16:creationId xmlns:a16="http://schemas.microsoft.com/office/drawing/2014/main" id="{E2CDD067-FF6F-4AB3-86E9-FD50974902ED}"/>
+              </a:ext>
+            </a:extLst>
+          </p:cNvPr>
+          <p:cNvSpPr>
+            <a:spLocks noGrp="1"/>
+          </p:cNvSpPr>
+          <p:nvPr>
+            <p:ph idx="1"/>
+          </p:nvPr>
+        </p:nvSpPr>
+        <p:spPr/>
+        <p:txBody>
+          <a:bodyPr>
+            <a:normAutofit/>
+          </a:bodyPr>
+          <a:lstStyle/>
+          <a:p>
+            <a:endParaRPr lang="es-ES" sz="3200"/>
+          </a:p>
+          <a:p>
+            <a:r>
+              <a:rPr lang="es-ES" sz="3200"/>
+              <a:t>En este apartado no hemos encontrado ningún curso ni información de pago</a:t>
+            </a:r>
+            <a:endParaRPr lang="es-ES"/>
+          </a:p>
+        </p:txBody>
+      </p:sp>
+    </p:spTree>
+    <p:extLst>
+      <p:ext uri="{BB962C8B-B14F-4D97-AF65-F5344CB8AC3E}">
+        <p14:creationId xmlns:p14="http://schemas.microsoft.com/office/powerpoint/2010/main" val="566230588"/>
+      </p:ext>
+    </p:extLst>
+  </p:cSld>
+  <p:clrMapOvr>
+    <a:masterClrMapping/>
+  </p:clrMapOvr>
+</p:sld>
+</file>
+
+<file path=ppt/slides/slide14.xml><?xml version="1.0" encoding="utf-8"?>
+<p:sld xmlns:a="http://schemas.openxmlformats.org/drawingml/2006/main" xmlns:r="http://schemas.openxmlformats.org/officeDocument/2006/relationships" xmlns:p="http://schemas.openxmlformats.org/presentationml/2006/main">
+  <p:cSld>
+    <p:spTree>
+      <p:nvGrpSpPr>
+        <p:cNvPr id="1" name=""/>
+        <p:cNvGrpSpPr/>
+        <p:nvPr/>
+      </p:nvGrpSpPr>
+      <p:grpSpPr>
+        <a:xfrm>
+          <a:off x="0" y="0"/>
+          <a:ext cx="0" cy="0"/>
+          <a:chOff x="0" y="0"/>
+          <a:chExt cx="0" cy="0"/>
+        </a:xfrm>
+      </p:grpSpPr>
+      <p:sp>
+        <p:nvSpPr>
+          <p:cNvPr id="2" name="Título 1">
+            <a:extLst>
+              <a:ext uri="{FF2B5EF4-FFF2-40B4-BE49-F238E27FC236}">
+                <a16:creationId xmlns:a16="http://schemas.microsoft.com/office/drawing/2014/main" id="{A0AF217C-A2E6-4D60-99D4-4858EE3E6650}"/>
+              </a:ext>
+            </a:extLst>
+          </p:cNvPr>
+          <p:cNvSpPr>
+            <a:spLocks noGrp="1"/>
+          </p:cNvSpPr>
+          <p:nvPr>
+            <p:ph type="title"/>
+          </p:nvPr>
+        </p:nvSpPr>
+        <p:spPr/>
+        <p:txBody>
+          <a:bodyPr>
+            <a:normAutofit fontScale="90000"/>
+          </a:bodyPr>
+          <a:lstStyle/>
+          <a:p>
+            <a:r>
+              <a:rPr lang="es-ES"/>
+              <a:t>5.1 Fuentes de información (cursos gratuitos).</a:t>
+            </a:r>
+            <a:br>
+              <a:rPr lang="es-ES"/>
+            </a:br>
+            <a:r>
+              <a:rPr lang="es-ES"/>
+              <a:t>Tecnología de </a:t>
+            </a:r>
+            <a:r>
+              <a:rPr lang="es-ES" err="1"/>
+              <a:t>Chatbots</a:t>
+            </a:r>
+          </a:p>
+        </p:txBody>
+      </p:sp>
+      <p:pic>
+        <p:nvPicPr>
+          <p:cNvPr id="4" name="Imagen 4" descr="Imagen que contiene captura de pantalla&#10;&#10;Descripción generada con confianza muy alta">
+            <a:extLst>
+              <a:ext uri="{FF2B5EF4-FFF2-40B4-BE49-F238E27FC236}">
+                <a16:creationId xmlns:a16="http://schemas.microsoft.com/office/drawing/2014/main" id="{2DB411A7-5A21-4EAD-9250-B988F107D646}"/>
+              </a:ext>
+            </a:extLst>
+          </p:cNvPr>
+          <p:cNvPicPr>
+            <a:picLocks noGrp="1" noChangeAspect="1"/>
+          </p:cNvPicPr>
+          <p:nvPr>
+            <p:ph idx="1"/>
+          </p:nvPr>
+        </p:nvPicPr>
+        <p:blipFill>
+          <a:blip r:embed="rId2"/>
+          <a:stretch>
+            <a:fillRect/>
+          </a:stretch>
+        </p:blipFill>
+        <p:spPr>
+          <a:xfrm>
+            <a:off x="1301932" y="2571309"/>
+            <a:ext cx="2456963" cy="3318936"/>
+          </a:xfrm>
+          <a:prstGeom prst="rect">
+            <a:avLst/>
+          </a:prstGeom>
+        </p:spPr>
+      </p:pic>
+      <p:pic>
+        <p:nvPicPr>
+          <p:cNvPr id="6" name="Imagen 6" descr="Imagen que contiene captura de pantalla&#10;&#10;Descripción generada con confianza muy alta">
+            <a:extLst>
+              <a:ext uri="{FF2B5EF4-FFF2-40B4-BE49-F238E27FC236}">
+                <a16:creationId xmlns:a16="http://schemas.microsoft.com/office/drawing/2014/main" id="{A503D0B2-D9CB-4785-BBF7-D627750CBAC3}"/>
+              </a:ext>
+            </a:extLst>
+          </p:cNvPr>
+          <p:cNvPicPr>
+            <a:picLocks noChangeAspect="1"/>
+          </p:cNvPicPr>
+          <p:nvPr/>
+        </p:nvPicPr>
+        <p:blipFill>
+          <a:blip r:embed="rId3"/>
+          <a:stretch>
+            <a:fillRect/>
+          </a:stretch>
+        </p:blipFill>
+        <p:spPr>
+          <a:xfrm>
+            <a:off x="8632640" y="1889185"/>
+            <a:ext cx="2345436" cy="4114800"/>
+          </a:xfrm>
+          <a:prstGeom prst="rect">
+            <a:avLst/>
+          </a:prstGeom>
+        </p:spPr>
+      </p:pic>
+      <p:sp>
+        <p:nvSpPr>
+          <p:cNvPr id="3" name="CuadroTexto 2">
+            <a:extLst>
+              <a:ext uri="{FF2B5EF4-FFF2-40B4-BE49-F238E27FC236}">
+                <a16:creationId xmlns:a16="http://schemas.microsoft.com/office/drawing/2014/main" id="{EC275791-1307-4C56-B7E9-738EB791B30D}"/>
+              </a:ext>
+            </a:extLst>
+          </p:cNvPr>
+          <p:cNvSpPr txBox="1"/>
+          <p:nvPr/>
+        </p:nvSpPr>
+        <p:spPr>
+          <a:xfrm>
+            <a:off x="3746740" y="2654060"/>
+            <a:ext cx="3663350" cy="523220"/>
+          </a:xfrm>
+          <a:prstGeom prst="rect">
+            <a:avLst/>
+          </a:prstGeom>
+        </p:spPr>
+        <p:txBody>
+          <a:bodyPr rot="0" spcFirstLastPara="0" vertOverflow="overflow" horzOverflow="overflow" vert="horz" wrap="square" lIns="91440" tIns="45720" rIns="91440" bIns="45720" numCol="1" spcCol="0" rtlCol="0" fromWordArt="0" anchor="t" anchorCtr="0" forceAA="0" compatLnSpc="1">
+            <a:prstTxWarp prst="textNoShape">
+              <a:avLst/>
+            </a:prstTxWarp>
+            <a:spAutoFit/>
+          </a:bodyPr>
+          <a:lstStyle/>
+          <a:p>
+            <a:r>
+              <a:rPr lang="es-ES" sz="2800"/>
+              <a:t>Curso </a:t>
+            </a:r>
+            <a:r>
+              <a:rPr lang="es-ES" sz="2800" err="1"/>
+              <a:t>Manychat</a:t>
+            </a:r>
+            <a:r>
+              <a:rPr lang="es-ES" sz="2800"/>
+              <a:t> </a:t>
+            </a:r>
+            <a:r>
+              <a:rPr lang="es-ES" sz="2800" err="1"/>
+              <a:t>chatbot</a:t>
+            </a:r>
+          </a:p>
+        </p:txBody>
+      </p:sp>
+      <p:sp>
+        <p:nvSpPr>
+          <p:cNvPr id="8" name="CuadroTexto 7">
+            <a:extLst>
+              <a:ext uri="{FF2B5EF4-FFF2-40B4-BE49-F238E27FC236}">
+                <a16:creationId xmlns:a16="http://schemas.microsoft.com/office/drawing/2014/main" id="{C1404118-D773-439D-8621-C79BE9289766}"/>
+              </a:ext>
+            </a:extLst>
+          </p:cNvPr>
+          <p:cNvSpPr txBox="1"/>
+          <p:nvPr/>
+        </p:nvSpPr>
+        <p:spPr>
+          <a:xfrm>
+            <a:off x="5385758" y="4666892"/>
+            <a:ext cx="3677727" cy="461665"/>
+          </a:xfrm>
+          <a:prstGeom prst="rect">
+            <a:avLst/>
+          </a:prstGeom>
+        </p:spPr>
+        <p:txBody>
+          <a:bodyPr rot="0" spcFirstLastPara="0" vertOverflow="overflow" horzOverflow="overflow" vert="horz" wrap="square" lIns="91440" tIns="45720" rIns="91440" bIns="45720" numCol="1" spcCol="0" rtlCol="0" fromWordArt="0" anchor="t" anchorCtr="0" forceAA="0" compatLnSpc="1">
+            <a:prstTxWarp prst="textNoShape">
+              <a:avLst/>
+            </a:prstTxWarp>
+            <a:spAutoFit/>
+          </a:bodyPr>
+          <a:lstStyle/>
+          <a:p>
+            <a:r>
+              <a:rPr lang="es-ES" sz="2400"/>
+              <a:t>Watson </a:t>
+            </a:r>
+            <a:r>
+              <a:rPr lang="es-ES" sz="2400" err="1"/>
+              <a:t>Chatbot</a:t>
+            </a:r>
+            <a:r>
+              <a:rPr lang="es-ES" sz="2400"/>
+              <a:t> software</a:t>
+            </a:r>
+            <a:endParaRPr lang="es-ES" sz="2400" err="1"/>
+          </a:p>
+        </p:txBody>
+      </p:sp>
+    </p:spTree>
+    <p:extLst>
+      <p:ext uri="{BB962C8B-B14F-4D97-AF65-F5344CB8AC3E}">
+        <p14:creationId xmlns:p14="http://schemas.microsoft.com/office/powerpoint/2010/main" val="1221331915"/>
+      </p:ext>
+    </p:extLst>
+  </p:cSld>
+  <p:clrMapOvr>
+    <a:masterClrMapping/>
+  </p:clrMapOvr>
+</p:sld>
+</file>
+
+<file path=ppt/slides/slide15.xml><?xml version="1.0" encoding="utf-8"?>
+<p:sld xmlns:a="http://schemas.openxmlformats.org/drawingml/2006/main" xmlns:r="http://schemas.openxmlformats.org/officeDocument/2006/relationships" xmlns:p="http://schemas.openxmlformats.org/presentationml/2006/main">
+  <p:cSld>
+    <p:spTree>
+      <p:nvGrpSpPr>
+        <p:cNvPr id="1" name=""/>
+        <p:cNvGrpSpPr/>
+        <p:nvPr/>
+      </p:nvGrpSpPr>
+      <p:grpSpPr>
+        <a:xfrm>
+          <a:off x="0" y="0"/>
+          <a:ext cx="0" cy="0"/>
+          <a:chOff x="0" y="0"/>
+          <a:chExt cx="0" cy="0"/>
+        </a:xfrm>
+      </p:grpSpPr>
+      <p:sp>
+        <p:nvSpPr>
+          <p:cNvPr id="2" name="Título 1">
+            <a:extLst>
+              <a:ext uri="{FF2B5EF4-FFF2-40B4-BE49-F238E27FC236}">
                 <a16:creationId xmlns:a16="http://schemas.microsoft.com/office/drawing/2014/main" id="{A0AF217C-A2E6-4D60-99D4-4858EE3E6650}"/>
               </a:ext>
             </a:extLst>
@@ -6811,7 +7631,7 @@
 </p:sld>
 </file>
 
-<file path=ppt/slides/slide11.xml><?xml version="1.0" encoding="utf-8"?>
+<file path=ppt/slides/slide16.xml><?xml version="1.0" encoding="utf-8"?>
 <p:sld xmlns:a="http://schemas.openxmlformats.org/drawingml/2006/main" xmlns:r="http://schemas.openxmlformats.org/officeDocument/2006/relationships" xmlns:p="http://schemas.openxmlformats.org/presentationml/2006/main">
   <p:cSld>
     <p:spTree>
@@ -6944,7 +7764,7 @@
 </p:sld>
 </file>
 
-<file path=ppt/slides/slide12.xml><?xml version="1.0" encoding="utf-8"?>
+<file path=ppt/slides/slide17.xml><?xml version="1.0" encoding="utf-8"?>
 <p:sld xmlns:a="http://schemas.openxmlformats.org/drawingml/2006/main" xmlns:r="http://schemas.openxmlformats.org/officeDocument/2006/relationships" xmlns:p="http://schemas.openxmlformats.org/presentationml/2006/main">
   <p:cSld>
     <p:spTree>
@@ -7071,7 +7891,7 @@
 </p:sld>
 </file>
 
-<file path=ppt/slides/slide13.xml><?xml version="1.0" encoding="utf-8"?>
+<file path=ppt/slides/slide18.xml><?xml version="1.0" encoding="utf-8"?>
 <p:sld xmlns:a="http://schemas.openxmlformats.org/drawingml/2006/main" xmlns:r="http://schemas.openxmlformats.org/officeDocument/2006/relationships" xmlns:p="http://schemas.openxmlformats.org/presentationml/2006/main">
   <p:cSld>
     <p:spTree>
@@ -7198,7 +8018,7 @@
 </p:sld>
 </file>
 
-<file path=ppt/slides/slide14.xml><?xml version="1.0" encoding="utf-8"?>
+<file path=ppt/slides/slide19.xml><?xml version="1.0" encoding="utf-8"?>
 <p:sld xmlns:a="http://schemas.openxmlformats.org/drawingml/2006/main" xmlns:r="http://schemas.openxmlformats.org/officeDocument/2006/relationships" xmlns:p="http://schemas.openxmlformats.org/presentationml/2006/main">
   <p:cSld>
     <p:spTree>
@@ -7325,7 +8145,143 @@
 </p:sld>
 </file>
 
-<file path=ppt/slides/slide15.xml><?xml version="1.0" encoding="utf-8"?>
+<file path=ppt/slides/slide2.xml><?xml version="1.0" encoding="utf-8"?>
+<p:sld xmlns:a="http://schemas.openxmlformats.org/drawingml/2006/main" xmlns:r="http://schemas.openxmlformats.org/officeDocument/2006/relationships" xmlns:p="http://schemas.openxmlformats.org/presentationml/2006/main">
+  <p:cSld>
+    <p:spTree>
+      <p:nvGrpSpPr>
+        <p:cNvPr id="1" name=""/>
+        <p:cNvGrpSpPr/>
+        <p:nvPr/>
+      </p:nvGrpSpPr>
+      <p:grpSpPr>
+        <a:xfrm>
+          <a:off x="0" y="0"/>
+          <a:ext cx="0" cy="0"/>
+          <a:chOff x="0" y="0"/>
+          <a:chExt cx="0" cy="0"/>
+        </a:xfrm>
+      </p:grpSpPr>
+      <p:sp>
+        <p:nvSpPr>
+          <p:cNvPr id="2" name="Título 1">
+            <a:extLst>
+              <a:ext uri="{FF2B5EF4-FFF2-40B4-BE49-F238E27FC236}">
+                <a16:creationId xmlns:a16="http://schemas.microsoft.com/office/drawing/2014/main" id="{32A86DA0-565C-43AB-BE1F-0A5FA8408D6B}"/>
+              </a:ext>
+            </a:extLst>
+          </p:cNvPr>
+          <p:cNvSpPr>
+            <a:spLocks noGrp="1"/>
+          </p:cNvSpPr>
+          <p:nvPr>
+            <p:ph type="title"/>
+          </p:nvPr>
+        </p:nvSpPr>
+        <p:spPr/>
+        <p:txBody>
+          <a:bodyPr/>
+          <a:lstStyle/>
+          <a:p>
+            <a:pPr algn="l"/>
+            <a:r>
+              <a:rPr lang="es-ES"/>
+              <a:t>ÍNDICE</a:t>
+            </a:r>
+          </a:p>
+        </p:txBody>
+      </p:sp>
+      <p:sp>
+        <p:nvSpPr>
+          <p:cNvPr id="3" name="Marcador de contenido 2">
+            <a:extLst>
+              <a:ext uri="{FF2B5EF4-FFF2-40B4-BE49-F238E27FC236}">
+                <a16:creationId xmlns:a16="http://schemas.microsoft.com/office/drawing/2014/main" id="{B6EBA899-9072-4CAE-A1CA-1AE5CF5F2634}"/>
+              </a:ext>
+            </a:extLst>
+          </p:cNvPr>
+          <p:cNvSpPr>
+            <a:spLocks noGrp="1"/>
+          </p:cNvSpPr>
+          <p:nvPr>
+            <p:ph idx="1"/>
+          </p:nvPr>
+        </p:nvSpPr>
+        <p:spPr>
+          <a:xfrm>
+            <a:off x="1295401" y="2421233"/>
+            <a:ext cx="9601196" cy="3454635"/>
+          </a:xfrm>
+        </p:spPr>
+        <p:txBody>
+          <a:bodyPr>
+            <a:normAutofit fontScale="92500" lnSpcReduction="20000"/>
+          </a:bodyPr>
+          <a:lstStyle/>
+          <a:p>
+            <a:r>
+              <a:rPr lang="es-ES"/>
+              <a:t>1. Autores del trabajo, planificación y entrega.</a:t>
+            </a:r>
+          </a:p>
+          <a:p>
+            <a:r>
+              <a:rPr lang="es-ES"/>
+              <a:t>2. Descripción del tipo de tecnología.</a:t>
+            </a:r>
+          </a:p>
+          <a:p>
+            <a:r>
+              <a:rPr lang="es-ES"/>
+              <a:t>3. Fuentes de información (documentos).</a:t>
+            </a:r>
+          </a:p>
+          <a:p>
+            <a:r>
+              <a:rPr lang="es-ES"/>
+              <a:t>4. Fuentes de información (cursos no gratuitos).</a:t>
+            </a:r>
+          </a:p>
+          <a:p>
+            <a:r>
+              <a:rPr lang="es-ES"/>
+              <a:t>5. Fuentes de información (cursos gratuitos).</a:t>
+            </a:r>
+          </a:p>
+          <a:p>
+            <a:r>
+              <a:rPr lang="es-ES"/>
+              <a:t>6. Ayudas económicas para estudiar las tecnologías.</a:t>
+            </a:r>
+          </a:p>
+          <a:p>
+            <a:r>
+              <a:rPr lang="es-ES"/>
+              <a:t>7. Recursos para implementar las tecnologías.</a:t>
+            </a:r>
+          </a:p>
+          <a:p>
+            <a:r>
+              <a:rPr lang="es-ES"/>
+              <a:t>8. Conclusiones.</a:t>
+            </a:r>
+          </a:p>
+        </p:txBody>
+      </p:sp>
+    </p:spTree>
+    <p:extLst>
+      <p:ext uri="{BB962C8B-B14F-4D97-AF65-F5344CB8AC3E}">
+        <p14:creationId xmlns:p14="http://schemas.microsoft.com/office/powerpoint/2010/main" val="456323910"/>
+      </p:ext>
+    </p:extLst>
+  </p:cSld>
+  <p:clrMapOvr>
+    <a:masterClrMapping/>
+  </p:clrMapOvr>
+</p:sld>
+</file>
+
+<file path=ppt/slides/slide20.xml><?xml version="1.0" encoding="utf-8"?>
 <p:sld xmlns:a="http://schemas.openxmlformats.org/drawingml/2006/main" xmlns:r="http://schemas.openxmlformats.org/officeDocument/2006/relationships" xmlns:p="http://schemas.openxmlformats.org/presentationml/2006/main">
   <p:cSld>
     <p:spTree>
@@ -7422,7 +8378,7 @@
 </p:sld>
 </file>
 
-<file path=ppt/slides/slide16.xml><?xml version="1.0" encoding="utf-8"?>
+<file path=ppt/slides/slide21.xml><?xml version="1.0" encoding="utf-8"?>
 <p:sld xmlns:a="http://schemas.openxmlformats.org/drawingml/2006/main" xmlns:r="http://schemas.openxmlformats.org/officeDocument/2006/relationships" xmlns:p="http://schemas.openxmlformats.org/presentationml/2006/main">
   <p:cSld>
     <p:spTree>
@@ -7519,7 +8475,7 @@
 </p:sld>
 </file>
 
-<file path=ppt/slides/slide17.xml><?xml version="1.0" encoding="utf-8"?>
+<file path=ppt/slides/slide22.xml><?xml version="1.0" encoding="utf-8"?>
 <p:sld xmlns:a="http://schemas.openxmlformats.org/drawingml/2006/main" xmlns:r="http://schemas.openxmlformats.org/officeDocument/2006/relationships" xmlns:p="http://schemas.openxmlformats.org/presentationml/2006/main">
   <p:cSld>
     <p:spTree>
@@ -7681,7 +8637,7 @@
 </p:sld>
 </file>
 
-<file path=ppt/slides/slide18.xml><?xml version="1.0" encoding="utf-8"?>
+<file path=ppt/slides/slide23.xml><?xml version="1.0" encoding="utf-8"?>
 <p:sld xmlns:a="http://schemas.openxmlformats.org/drawingml/2006/main" xmlns:r="http://schemas.openxmlformats.org/officeDocument/2006/relationships" xmlns:p="http://schemas.openxmlformats.org/presentationml/2006/main">
   <p:cSld>
     <p:spTree>
@@ -7813,7 +8769,7 @@
 </p:sld>
 </file>
 
-<file path=ppt/slides/slide19.xml><?xml version="1.0" encoding="utf-8"?>
+<file path=ppt/slides/slide24.xml><?xml version="1.0" encoding="utf-8"?>
 <p:sld xmlns:a="http://schemas.openxmlformats.org/drawingml/2006/main" xmlns:r="http://schemas.openxmlformats.org/officeDocument/2006/relationships" xmlns:p="http://schemas.openxmlformats.org/presentationml/2006/main">
   <p:cSld>
     <p:spTree>
@@ -8174,143 +9130,7 @@
 </p:sld>
 </file>
 
-<file path=ppt/slides/slide2.xml><?xml version="1.0" encoding="utf-8"?>
-<p:sld xmlns:a="http://schemas.openxmlformats.org/drawingml/2006/main" xmlns:r="http://schemas.openxmlformats.org/officeDocument/2006/relationships" xmlns:p="http://schemas.openxmlformats.org/presentationml/2006/main">
-  <p:cSld>
-    <p:spTree>
-      <p:nvGrpSpPr>
-        <p:cNvPr id="1" name=""/>
-        <p:cNvGrpSpPr/>
-        <p:nvPr/>
-      </p:nvGrpSpPr>
-      <p:grpSpPr>
-        <a:xfrm>
-          <a:off x="0" y="0"/>
-          <a:ext cx="0" cy="0"/>
-          <a:chOff x="0" y="0"/>
-          <a:chExt cx="0" cy="0"/>
-        </a:xfrm>
-      </p:grpSpPr>
-      <p:sp>
-        <p:nvSpPr>
-          <p:cNvPr id="2" name="Título 1">
-            <a:extLst>
-              <a:ext uri="{FF2B5EF4-FFF2-40B4-BE49-F238E27FC236}">
-                <a16:creationId xmlns:a16="http://schemas.microsoft.com/office/drawing/2014/main" id="{32A86DA0-565C-43AB-BE1F-0A5FA8408D6B}"/>
-              </a:ext>
-            </a:extLst>
-          </p:cNvPr>
-          <p:cNvSpPr>
-            <a:spLocks noGrp="1"/>
-          </p:cNvSpPr>
-          <p:nvPr>
-            <p:ph type="title"/>
-          </p:nvPr>
-        </p:nvSpPr>
-        <p:spPr/>
-        <p:txBody>
-          <a:bodyPr/>
-          <a:lstStyle/>
-          <a:p>
-            <a:pPr algn="l"/>
-            <a:r>
-              <a:rPr lang="es-ES"/>
-              <a:t>ÍNDICE</a:t>
-            </a:r>
-          </a:p>
-        </p:txBody>
-      </p:sp>
-      <p:sp>
-        <p:nvSpPr>
-          <p:cNvPr id="3" name="Marcador de contenido 2">
-            <a:extLst>
-              <a:ext uri="{FF2B5EF4-FFF2-40B4-BE49-F238E27FC236}">
-                <a16:creationId xmlns:a16="http://schemas.microsoft.com/office/drawing/2014/main" id="{B6EBA899-9072-4CAE-A1CA-1AE5CF5F2634}"/>
-              </a:ext>
-            </a:extLst>
-          </p:cNvPr>
-          <p:cNvSpPr>
-            <a:spLocks noGrp="1"/>
-          </p:cNvSpPr>
-          <p:nvPr>
-            <p:ph idx="1"/>
-          </p:nvPr>
-        </p:nvSpPr>
-        <p:spPr>
-          <a:xfrm>
-            <a:off x="1295401" y="2421233"/>
-            <a:ext cx="9601196" cy="3454635"/>
-          </a:xfrm>
-        </p:spPr>
-        <p:txBody>
-          <a:bodyPr>
-            <a:normAutofit fontScale="92500" lnSpcReduction="20000"/>
-          </a:bodyPr>
-          <a:lstStyle/>
-          <a:p>
-            <a:r>
-              <a:rPr lang="es-ES"/>
-              <a:t>1. Autores del trabajo, planificación y entrega.</a:t>
-            </a:r>
-          </a:p>
-          <a:p>
-            <a:r>
-              <a:rPr lang="es-ES"/>
-              <a:t>2. Descripción del tipo de tecnología.</a:t>
-            </a:r>
-          </a:p>
-          <a:p>
-            <a:r>
-              <a:rPr lang="es-ES"/>
-              <a:t>3. Fuentes de información (documentos).</a:t>
-            </a:r>
-          </a:p>
-          <a:p>
-            <a:r>
-              <a:rPr lang="es-ES"/>
-              <a:t>4. Fuentes de información (cursos no gratuitos).</a:t>
-            </a:r>
-          </a:p>
-          <a:p>
-            <a:r>
-              <a:rPr lang="es-ES"/>
-              <a:t>5. Fuentes de información (cursos gratuitos).</a:t>
-            </a:r>
-          </a:p>
-          <a:p>
-            <a:r>
-              <a:rPr lang="es-ES"/>
-              <a:t>6. Ayudas económicas para estudiar las tecnologías.</a:t>
-            </a:r>
-          </a:p>
-          <a:p>
-            <a:r>
-              <a:rPr lang="es-ES"/>
-              <a:t>7. Recursos para implementar las tecnologías.</a:t>
-            </a:r>
-          </a:p>
-          <a:p>
-            <a:r>
-              <a:rPr lang="es-ES"/>
-              <a:t>8. Conclusiones.</a:t>
-            </a:r>
-          </a:p>
-        </p:txBody>
-      </p:sp>
-    </p:spTree>
-    <p:extLst>
-      <p:ext uri="{BB962C8B-B14F-4D97-AF65-F5344CB8AC3E}">
-        <p14:creationId xmlns:p14="http://schemas.microsoft.com/office/powerpoint/2010/main" val="456323910"/>
-      </p:ext>
-    </p:extLst>
-  </p:cSld>
-  <p:clrMapOvr>
-    <a:masterClrMapping/>
-  </p:clrMapOvr>
-</p:sld>
-</file>
-
-<file path=ppt/slides/slide20.xml><?xml version="1.0" encoding="utf-8"?>
+<file path=ppt/slides/slide25.xml><?xml version="1.0" encoding="utf-8"?>
 <p:sld xmlns:a="http://schemas.openxmlformats.org/drawingml/2006/main" xmlns:r="http://schemas.openxmlformats.org/officeDocument/2006/relationships" xmlns:p="http://schemas.openxmlformats.org/presentationml/2006/main">
   <p:cSld>
     <p:spTree>
@@ -9116,7 +9936,7 @@
           <p:cNvPr id="2" name="Título 1">
             <a:extLst>
               <a:ext uri="{FF2B5EF4-FFF2-40B4-BE49-F238E27FC236}">
-                <a16:creationId xmlns:a16="http://schemas.microsoft.com/office/drawing/2014/main" id="{A0AF217C-A2E6-4D60-99D4-4858EE3E6650}"/>
+                <a16:creationId xmlns:a16="http://schemas.microsoft.com/office/drawing/2014/main" id="{BC0DE4AB-64CE-42D7-BC57-3B343B9F284A}"/>
               </a:ext>
             </a:extLst>
           </p:cNvPr>
@@ -9127,12 +9947,7 @@
             <p:ph type="title"/>
           </p:nvPr>
         </p:nvSpPr>
-        <p:spPr>
-          <a:xfrm>
-            <a:off x="1295402" y="982132"/>
-            <a:ext cx="9946252" cy="1303867"/>
-          </a:xfrm>
-        </p:spPr>
+        <p:spPr/>
         <p:txBody>
           <a:bodyPr>
             <a:normAutofit fontScale="90000"/>
@@ -9140,16 +9955,14 @@
           <a:lstStyle/>
           <a:p>
             <a:r>
-              <a:rPr lang="es-ES"/>
-              <a:t>4.3 Fuentes de información (cursos no gratuitos).</a:t>
-            </a:r>
-            <a:br>
-              <a:rPr lang="es-ES"/>
-            </a:br>
-            <a:r>
-              <a:rPr lang="es-ES" err="1"/>
-              <a:t>VisualSpirits</a:t>
-            </a:r>
+              <a:rPr lang="es-ES" dirty="0"/>
+              <a:t>3.3 </a:t>
+            </a:r>
+            <a:r>
+              <a:rPr lang="es-ES" b="1" dirty="0"/>
+              <a:t>Fuentes sobre la tecnología específica B </a:t>
+            </a:r>
+            <a:endParaRPr lang="es-ES" dirty="0"/>
           </a:p>
         </p:txBody>
       </p:sp>
@@ -9158,7 +9971,7 @@
           <p:cNvPr id="3" name="Marcador de contenido 2">
             <a:extLst>
               <a:ext uri="{FF2B5EF4-FFF2-40B4-BE49-F238E27FC236}">
-                <a16:creationId xmlns:a16="http://schemas.microsoft.com/office/drawing/2014/main" id="{E2CDD067-FF6F-4AB3-86E9-FD50974902ED}"/>
+                <a16:creationId xmlns:a16="http://schemas.microsoft.com/office/drawing/2014/main" id="{22022339-789D-41A4-9965-D708E4E77C9B}"/>
               </a:ext>
             </a:extLst>
           </p:cNvPr>
@@ -9172,25 +9985,72 @@
         <p:spPr/>
         <p:txBody>
           <a:bodyPr>
-            <a:normAutofit/>
+            <a:normAutofit lnSpcReduction="10000"/>
           </a:bodyPr>
           <a:lstStyle/>
           <a:p>
-            <a:endParaRPr lang="es-ES" sz="3200"/>
-          </a:p>
-          <a:p>
-            <a:r>
-              <a:rPr lang="es-ES" sz="3200"/>
-              <a:t>En este apartado no hemos encontrado ningún curso ni información de pago</a:t>
+            <a:r>
+              <a:rPr lang="es-ES" dirty="0"/>
+              <a:t>Se trata de una entrevista al CEO de Virtual </a:t>
+            </a:r>
+            <a:r>
+              <a:rPr lang="es-ES" dirty="0" err="1"/>
+              <a:t>Spirit</a:t>
+            </a:r>
+            <a:r>
+              <a:rPr lang="es-ES" dirty="0"/>
+              <a:t> Nathan </a:t>
+            </a:r>
+            <a:r>
+              <a:rPr lang="es-ES" dirty="0" err="1"/>
+              <a:t>Bajrach</a:t>
+            </a:r>
+            <a:r>
+              <a:rPr lang="es-ES" dirty="0"/>
+              <a:t> en la cual analiza el futuro de los </a:t>
+            </a:r>
+            <a:r>
+              <a:rPr lang="es-ES" dirty="0" err="1"/>
+              <a:t>ChatBots</a:t>
+            </a:r>
+            <a:r>
+              <a:rPr lang="es-ES" dirty="0"/>
+              <a:t>, las industrias en las que mas impacto se produce etc...</a:t>
             </a:r>
             <a:endParaRPr lang="es-ES"/>
+          </a:p>
+          <a:p>
+            <a:r>
+              <a:rPr lang="es-ES" dirty="0"/>
+              <a:t>Web: www.chatbotsummit.com/blog/interview-with-nathan-bajrach-founder-ceo-virtual-spirits </a:t>
+            </a:r>
+          </a:p>
+          <a:p>
+            <a:r>
+              <a:rPr lang="es-ES" dirty="0"/>
+              <a:t>Se trata de una pagina que analiza los ámbitos en los que se implementa la </a:t>
+            </a:r>
+            <a:r>
+              <a:rPr lang="es-ES" dirty="0" err="1"/>
+              <a:t>tecnologia</a:t>
+            </a:r>
+            <a:r>
+              <a:rPr lang="es-ES" dirty="0"/>
+              <a:t>.</a:t>
+            </a:r>
+          </a:p>
+          <a:p>
+            <a:r>
+              <a:rPr lang="es-ES" dirty="0"/>
+              <a:t>Web: https://www.similartech.com/technologies/virtual-spirits</a:t>
+            </a:r>
           </a:p>
         </p:txBody>
       </p:sp>
     </p:spTree>
     <p:extLst>
       <p:ext uri="{BB962C8B-B14F-4D97-AF65-F5344CB8AC3E}">
-        <p14:creationId xmlns:p14="http://schemas.microsoft.com/office/powerpoint/2010/main" val="566230588"/>
+        <p14:creationId xmlns:p14="http://schemas.microsoft.com/office/powerpoint/2010/main" val="2892949886"/>
       </p:ext>
     </p:extLst>
   </p:cSld>
@@ -9217,62 +10077,19 @@
           <a:chExt cx="0" cy="0"/>
         </a:xfrm>
       </p:grpSpPr>
-      <p:sp>
-        <p:nvSpPr>
-          <p:cNvPr id="2" name="Título 1">
+      <p:pic>
+        <p:nvPicPr>
+          <p:cNvPr id="2" name="Imagen 2" descr="Imagen que contiene captura de pantalla&#10;&#10;Descripción generada con confianza muy alta">
             <a:extLst>
               <a:ext uri="{FF2B5EF4-FFF2-40B4-BE49-F238E27FC236}">
-                <a16:creationId xmlns:a16="http://schemas.microsoft.com/office/drawing/2014/main" id="{A0AF217C-A2E6-4D60-99D4-4858EE3E6650}"/>
-              </a:ext>
-            </a:extLst>
-          </p:cNvPr>
-          <p:cNvSpPr>
-            <a:spLocks noGrp="1"/>
-          </p:cNvSpPr>
-          <p:nvPr>
-            <p:ph type="title"/>
-          </p:nvPr>
-        </p:nvSpPr>
-        <p:spPr/>
-        <p:txBody>
-          <a:bodyPr>
-            <a:normAutofit fontScale="90000"/>
-          </a:bodyPr>
-          <a:lstStyle/>
-          <a:p>
-            <a:r>
-              <a:rPr lang="es-ES"/>
-              <a:t>5.1 Fuentes de información (cursos gratuitos).</a:t>
-            </a:r>
-            <a:br>
-              <a:rPr lang="es-ES"/>
-            </a:br>
-            <a:r>
-              <a:rPr lang="es-ES"/>
-              <a:t>Tecnología de </a:t>
-            </a:r>
-            <a:r>
-              <a:rPr lang="es-ES" err="1"/>
-              <a:t>Chatbots</a:t>
-            </a:r>
-          </a:p>
-        </p:txBody>
-      </p:sp>
-      <p:pic>
-        <p:nvPicPr>
-          <p:cNvPr id="4" name="Imagen 4" descr="Imagen que contiene captura de pantalla&#10;&#10;Descripción generada con confianza muy alta">
-            <a:extLst>
-              <a:ext uri="{FF2B5EF4-FFF2-40B4-BE49-F238E27FC236}">
-                <a16:creationId xmlns:a16="http://schemas.microsoft.com/office/drawing/2014/main" id="{2DB411A7-5A21-4EAD-9250-B988F107D646}"/>
+                <a16:creationId xmlns:a16="http://schemas.microsoft.com/office/drawing/2014/main" id="{6BA0DA1D-6D2F-4A7A-9A6A-A34094BF3ADC}"/>
               </a:ext>
             </a:extLst>
           </p:cNvPr>
           <p:cNvPicPr>
-            <a:picLocks noGrp="1" noChangeAspect="1"/>
+            <a:picLocks noChangeAspect="1"/>
           </p:cNvPicPr>
-          <p:nvPr>
-            <p:ph idx="1"/>
-          </p:nvPr>
+          <p:nvPr/>
         </p:nvPicPr>
         <p:blipFill>
           <a:blip r:embed="rId2"/>
@@ -9282,143 +10099,18 @@
         </p:blipFill>
         <p:spPr>
           <a:xfrm>
-            <a:off x="1301932" y="2571309"/>
-            <a:ext cx="2456963" cy="3318936"/>
+            <a:off x="2424022" y="1054306"/>
+            <a:ext cx="7343954" cy="4821273"/>
           </a:xfrm>
           <a:prstGeom prst="rect">
             <a:avLst/>
           </a:prstGeom>
         </p:spPr>
       </p:pic>
-      <p:pic>
-        <p:nvPicPr>
-          <p:cNvPr id="6" name="Imagen 6" descr="Imagen que contiene captura de pantalla&#10;&#10;Descripción generada con confianza muy alta">
-            <a:extLst>
-              <a:ext uri="{FF2B5EF4-FFF2-40B4-BE49-F238E27FC236}">
-                <a16:creationId xmlns:a16="http://schemas.microsoft.com/office/drawing/2014/main" id="{A503D0B2-D9CB-4785-BBF7-D627750CBAC3}"/>
-              </a:ext>
-            </a:extLst>
-          </p:cNvPr>
-          <p:cNvPicPr>
-            <a:picLocks noChangeAspect="1"/>
-          </p:cNvPicPr>
-          <p:nvPr/>
-        </p:nvPicPr>
-        <p:blipFill>
-          <a:blip r:embed="rId3"/>
-          <a:stretch>
-            <a:fillRect/>
-          </a:stretch>
-        </p:blipFill>
-        <p:spPr>
-          <a:xfrm>
-            <a:off x="8632640" y="1889185"/>
-            <a:ext cx="2345436" cy="4114800"/>
-          </a:xfrm>
-          <a:prstGeom prst="rect">
-            <a:avLst/>
-          </a:prstGeom>
-        </p:spPr>
-      </p:pic>
-      <p:sp>
-        <p:nvSpPr>
-          <p:cNvPr id="3" name="CuadroTexto 2">
-            <a:extLst>
-              <a:ext uri="{FF2B5EF4-FFF2-40B4-BE49-F238E27FC236}">
-                <a16:creationId xmlns:a16="http://schemas.microsoft.com/office/drawing/2014/main" id="{EC275791-1307-4C56-B7E9-738EB791B30D}"/>
-              </a:ext>
-            </a:extLst>
-          </p:cNvPr>
-          <p:cNvSpPr txBox="1"/>
-          <p:nvPr/>
-        </p:nvSpPr>
-        <p:spPr>
-          <a:xfrm>
-            <a:off x="3746740" y="2654060"/>
-            <a:ext cx="3663350" cy="523220"/>
-          </a:xfrm>
-          <a:prstGeom prst="rect">
-            <a:avLst/>
-          </a:prstGeom>
-        </p:spPr>
-        <p:txBody>
-          <a:bodyPr rot="0" spcFirstLastPara="0" vertOverflow="overflow" horzOverflow="overflow" vert="horz" wrap="square" lIns="91440" tIns="45720" rIns="91440" bIns="45720" numCol="1" spcCol="0" rtlCol="0" fromWordArt="0" anchor="t" anchorCtr="0" forceAA="0" compatLnSpc="1">
-            <a:prstTxWarp prst="textNoShape">
-              <a:avLst/>
-            </a:prstTxWarp>
-            <a:spAutoFit/>
-          </a:bodyPr>
-          <a:lstStyle/>
-          <a:p>
-            <a:r>
-              <a:rPr lang="es-ES" sz="2800"/>
-              <a:t>Curso </a:t>
-            </a:r>
-            <a:r>
-              <a:rPr lang="es-ES" sz="2800" err="1"/>
-              <a:t>Manychat</a:t>
-            </a:r>
-            <a:r>
-              <a:rPr lang="es-ES" sz="2800"/>
-              <a:t> </a:t>
-            </a:r>
-            <a:r>
-              <a:rPr lang="es-ES" sz="2800" err="1"/>
-              <a:t>chatbot</a:t>
-            </a:r>
-          </a:p>
-        </p:txBody>
-      </p:sp>
-      <p:sp>
-        <p:nvSpPr>
-          <p:cNvPr id="8" name="CuadroTexto 7">
-            <a:extLst>
-              <a:ext uri="{FF2B5EF4-FFF2-40B4-BE49-F238E27FC236}">
-                <a16:creationId xmlns:a16="http://schemas.microsoft.com/office/drawing/2014/main" id="{C1404118-D773-439D-8621-C79BE9289766}"/>
-              </a:ext>
-            </a:extLst>
-          </p:cNvPr>
-          <p:cNvSpPr txBox="1"/>
-          <p:nvPr/>
-        </p:nvSpPr>
-        <p:spPr>
-          <a:xfrm>
-            <a:off x="5385758" y="4666892"/>
-            <a:ext cx="3677727" cy="461665"/>
-          </a:xfrm>
-          <a:prstGeom prst="rect">
-            <a:avLst/>
-          </a:prstGeom>
-        </p:spPr>
-        <p:txBody>
-          <a:bodyPr rot="0" spcFirstLastPara="0" vertOverflow="overflow" horzOverflow="overflow" vert="horz" wrap="square" lIns="91440" tIns="45720" rIns="91440" bIns="45720" numCol="1" spcCol="0" rtlCol="0" fromWordArt="0" anchor="t" anchorCtr="0" forceAA="0" compatLnSpc="1">
-            <a:prstTxWarp prst="textNoShape">
-              <a:avLst/>
-            </a:prstTxWarp>
-            <a:spAutoFit/>
-          </a:bodyPr>
-          <a:lstStyle/>
-          <a:p>
-            <a:r>
-              <a:rPr lang="es-ES" sz="2400"/>
-              <a:t>Watson </a:t>
-            </a:r>
-            <a:r>
-              <a:rPr lang="es-ES" sz="2400" err="1"/>
-              <a:t>Chatbot</a:t>
-            </a:r>
-            <a:r>
-              <a:rPr lang="es-ES" sz="2400"/>
-              <a:t> software</a:t>
-            </a:r>
-            <a:endParaRPr lang="es-ES" sz="2400" err="1"/>
-          </a:p>
-        </p:txBody>
-      </p:sp>
     </p:spTree>
     <p:extLst>
       <p:ext uri="{BB962C8B-B14F-4D97-AF65-F5344CB8AC3E}">
-        <p14:creationId xmlns:p14="http://schemas.microsoft.com/office/powerpoint/2010/main" val="1221331915"/>
+        <p14:creationId xmlns:p14="http://schemas.microsoft.com/office/powerpoint/2010/main" val="1600379471"/>
       </p:ext>
     </p:extLst>
   </p:cSld>
